--- a/EDC_ppt.pptx
+++ b/EDC_ppt.pptx
@@ -11254,7 +11254,7 @@
         </p:nvSpPr>
         <p:spPr>
           <a:xfrm>
-            <a:off x="5221564" y="4048018"/>
+            <a:off x="5221563" y="4140485"/>
             <a:ext cx="3333300" cy="657912"/>
           </a:xfrm>
           <a:prstGeom prst="rect">
@@ -11296,7 +11296,7 @@
         </p:nvSpPr>
         <p:spPr>
           <a:xfrm>
-            <a:off x="2897266" y="767103"/>
+            <a:off x="2853347" y="633540"/>
             <a:ext cx="4880271" cy="3019800"/>
           </a:xfrm>
           <a:prstGeom prst="rect">
@@ -11342,7 +11342,11 @@
             </a:r>
             <a:r>
               <a:rPr lang="en-ID" sz="1800" dirty="0"/>
-              <a:t> EDC </a:t>
+              <a:t> </a:t>
+            </a:r>
+            <a:r>
+              <a:rPr lang="en-ID" sz="1800" dirty="0" smtClean="0"/>
+              <a:t>EDC (Electronic Data Capture) </a:t>
             </a:r>
             <a:r>
               <a:rPr lang="en-ID" sz="1800" dirty="0" err="1"/>
@@ -11545,7 +11549,7 @@
             </a:pPr>
             <a:r>
               <a:rPr lang="en-ID" sz="1800" dirty="0" err="1" smtClean="0"/>
-              <a:t>Melakukan</a:t>
+              <a:t>Verifikasi</a:t>
             </a:r>
             <a:r>
               <a:rPr lang="en-ID" sz="1800" dirty="0" smtClean="0"/>
